--- a/Paper/Figures/Figure 2.pptx
+++ b/Paper/Figures/Figure 2.pptx
@@ -104,6 +104,11 @@
       </a:defRPr>
     </a:lvl9pPr>
   </p:defaultTextStyle>
+  <p:extLst>
+    <p:ext uri="{EFAFB233-063F-42B5-8137-9DF3F51BA10A}">
+      <p15:sldGuideLst xmlns:p15="http://schemas.microsoft.com/office/powerpoint/2012/main"/>
+    </p:ext>
+  </p:extLst>
 </p:presentation>
 </file>
 
@@ -254,7 +259,7 @@
           <a:p>
             <a:fld id="{26CA5903-EE30-344D-ADFA-46284851B31C}" type="datetimeFigureOut">
               <a:rPr lang="en-US" smtClean="0"/>
-              <a:t>10/30/24</a:t>
+              <a:t>1/6/25</a:t>
             </a:fld>
             <a:endParaRPr lang="en-US"/>
           </a:p>
@@ -452,7 +457,7 @@
           <a:p>
             <a:fld id="{26CA5903-EE30-344D-ADFA-46284851B31C}" type="datetimeFigureOut">
               <a:rPr lang="en-US" smtClean="0"/>
-              <a:t>10/30/24</a:t>
+              <a:t>1/6/25</a:t>
             </a:fld>
             <a:endParaRPr lang="en-US"/>
           </a:p>
@@ -660,7 +665,7 @@
           <a:p>
             <a:fld id="{26CA5903-EE30-344D-ADFA-46284851B31C}" type="datetimeFigureOut">
               <a:rPr lang="en-US" smtClean="0"/>
-              <a:t>10/30/24</a:t>
+              <a:t>1/6/25</a:t>
             </a:fld>
             <a:endParaRPr lang="en-US"/>
           </a:p>
@@ -858,7 +863,7 @@
           <a:p>
             <a:fld id="{26CA5903-EE30-344D-ADFA-46284851B31C}" type="datetimeFigureOut">
               <a:rPr lang="en-US" smtClean="0"/>
-              <a:t>10/30/24</a:t>
+              <a:t>1/6/25</a:t>
             </a:fld>
             <a:endParaRPr lang="en-US"/>
           </a:p>
@@ -1133,7 +1138,7 @@
           <a:p>
             <a:fld id="{26CA5903-EE30-344D-ADFA-46284851B31C}" type="datetimeFigureOut">
               <a:rPr lang="en-US" smtClean="0"/>
-              <a:t>10/30/24</a:t>
+              <a:t>1/6/25</a:t>
             </a:fld>
             <a:endParaRPr lang="en-US"/>
           </a:p>
@@ -1398,7 +1403,7 @@
           <a:p>
             <a:fld id="{26CA5903-EE30-344D-ADFA-46284851B31C}" type="datetimeFigureOut">
               <a:rPr lang="en-US" smtClean="0"/>
-              <a:t>10/30/24</a:t>
+              <a:t>1/6/25</a:t>
             </a:fld>
             <a:endParaRPr lang="en-US"/>
           </a:p>
@@ -1810,7 +1815,7 @@
           <a:p>
             <a:fld id="{26CA5903-EE30-344D-ADFA-46284851B31C}" type="datetimeFigureOut">
               <a:rPr lang="en-US" smtClean="0"/>
-              <a:t>10/30/24</a:t>
+              <a:t>1/6/25</a:t>
             </a:fld>
             <a:endParaRPr lang="en-US"/>
           </a:p>
@@ -1951,7 +1956,7 @@
           <a:p>
             <a:fld id="{26CA5903-EE30-344D-ADFA-46284851B31C}" type="datetimeFigureOut">
               <a:rPr lang="en-US" smtClean="0"/>
-              <a:t>10/30/24</a:t>
+              <a:t>1/6/25</a:t>
             </a:fld>
             <a:endParaRPr lang="en-US"/>
           </a:p>
@@ -2064,7 +2069,7 @@
           <a:p>
             <a:fld id="{26CA5903-EE30-344D-ADFA-46284851B31C}" type="datetimeFigureOut">
               <a:rPr lang="en-US" smtClean="0"/>
-              <a:t>10/30/24</a:t>
+              <a:t>1/6/25</a:t>
             </a:fld>
             <a:endParaRPr lang="en-US"/>
           </a:p>
@@ -2375,7 +2380,7 @@
           <a:p>
             <a:fld id="{26CA5903-EE30-344D-ADFA-46284851B31C}" type="datetimeFigureOut">
               <a:rPr lang="en-US" smtClean="0"/>
-              <a:t>10/30/24</a:t>
+              <a:t>1/6/25</a:t>
             </a:fld>
             <a:endParaRPr lang="en-US"/>
           </a:p>
@@ -2663,7 +2668,7 @@
           <a:p>
             <a:fld id="{26CA5903-EE30-344D-ADFA-46284851B31C}" type="datetimeFigureOut">
               <a:rPr lang="en-US" smtClean="0"/>
-              <a:t>10/30/24</a:t>
+              <a:t>1/6/25</a:t>
             </a:fld>
             <a:endParaRPr lang="en-US"/>
           </a:p>
@@ -2904,7 +2909,7 @@
           <a:p>
             <a:fld id="{26CA5903-EE30-344D-ADFA-46284851B31C}" type="datetimeFigureOut">
               <a:rPr lang="en-US" smtClean="0"/>
-              <a:t>10/30/24</a:t>
+              <a:t>1/6/25</a:t>
             </a:fld>
             <a:endParaRPr lang="en-US"/>
           </a:p>
@@ -3352,10 +3357,10 @@
       </p:pic>
       <p:pic>
         <p:nvPicPr>
-          <p:cNvPr id="7" name="Picture 6" descr="A diagram of a venn diagram&#10;&#10;Description automatically generated">
-            <a:extLst>
-              <a:ext uri="{FF2B5EF4-FFF2-40B4-BE49-F238E27FC236}">
-                <a16:creationId xmlns:a16="http://schemas.microsoft.com/office/drawing/2014/main" id="{56136529-F140-C436-FD33-4FDA15E60D81}"/>
+          <p:cNvPr id="11" name="Picture 10" descr="A green and purple circles with numbers&#10;&#10;Description automatically generated">
+            <a:extLst>
+              <a:ext uri="{FF2B5EF4-FFF2-40B4-BE49-F238E27FC236}">
+                <a16:creationId xmlns:a16="http://schemas.microsoft.com/office/drawing/2014/main" id="{AF8F1E1D-F801-622D-D71D-D9B3D0709608}"/>
               </a:ext>
             </a:extLst>
           </p:cNvPr>
@@ -3366,35 +3371,6 @@
         </p:nvPicPr>
         <p:blipFill>
           <a:blip r:embed="rId3"/>
-          <a:srcRect t="11562"/>
-          <a:stretch/>
-        </p:blipFill>
-        <p:spPr>
-          <a:xfrm>
-            <a:off x="6141002" y="3429000"/>
-            <a:ext cx="5163404" cy="2823519"/>
-          </a:xfrm>
-          <a:prstGeom prst="rect">
-            <a:avLst/>
-          </a:prstGeom>
-        </p:spPr>
-      </p:pic>
-      <p:pic>
-        <p:nvPicPr>
-          <p:cNvPr id="11" name="Picture 10" descr="A green and purple circles with numbers&#10;&#10;Description automatically generated">
-            <a:extLst>
-              <a:ext uri="{FF2B5EF4-FFF2-40B4-BE49-F238E27FC236}">
-                <a16:creationId xmlns:a16="http://schemas.microsoft.com/office/drawing/2014/main" id="{AF8F1E1D-F801-622D-D71D-D9B3D0709608}"/>
-              </a:ext>
-            </a:extLst>
-          </p:cNvPr>
-          <p:cNvPicPr>
-            <a:picLocks noChangeAspect="1"/>
-          </p:cNvPicPr>
-          <p:nvPr/>
-        </p:nvPicPr>
-        <p:blipFill>
-          <a:blip r:embed="rId4"/>
           <a:srcRect t="9412" b="4026"/>
           <a:stretch/>
         </p:blipFill>
@@ -3408,35 +3384,6 @@
           </a:prstGeom>
         </p:spPr>
       </p:pic>
-      <p:pic>
-        <p:nvPicPr>
-          <p:cNvPr id="13" name="Picture 12" descr="A diagram of a venn diagram&#10;&#10;Description automatically generated">
-            <a:extLst>
-              <a:ext uri="{FF2B5EF4-FFF2-40B4-BE49-F238E27FC236}">
-                <a16:creationId xmlns:a16="http://schemas.microsoft.com/office/drawing/2014/main" id="{8F1400F0-648A-B66C-3BE8-EC4013F21E2A}"/>
-              </a:ext>
-            </a:extLst>
-          </p:cNvPr>
-          <p:cNvPicPr>
-            <a:picLocks noChangeAspect="1"/>
-          </p:cNvPicPr>
-          <p:nvPr/>
-        </p:nvPicPr>
-        <p:blipFill>
-          <a:blip r:embed="rId5"/>
-          <a:srcRect t="11919" b="2190"/>
-          <a:stretch/>
-        </p:blipFill>
-        <p:spPr>
-          <a:xfrm>
-            <a:off x="1002867" y="3475273"/>
-            <a:ext cx="5327800" cy="2823520"/>
-          </a:xfrm>
-          <a:prstGeom prst="rect">
-            <a:avLst/>
-          </a:prstGeom>
-        </p:spPr>
-      </p:pic>
       <p:sp>
         <p:nvSpPr>
           <p:cNvPr id="14" name="TextBox 13">
@@ -3488,7 +3435,7 @@
         </p:nvSpPr>
         <p:spPr>
           <a:xfrm>
-            <a:off x="53669" y="4656093"/>
+            <a:off x="53669" y="4731954"/>
             <a:ext cx="1020857" cy="369332"/>
           </a:xfrm>
           <a:prstGeom prst="rect">
@@ -3585,6 +3532,64 @@
           </a:p>
         </p:txBody>
       </p:sp>
+      <p:pic>
+        <p:nvPicPr>
+          <p:cNvPr id="3" name="Picture 2" descr="A green and purple circles with numbers&#10;&#10;Description automatically generated">
+            <a:extLst>
+              <a:ext uri="{FF2B5EF4-FFF2-40B4-BE49-F238E27FC236}">
+                <a16:creationId xmlns:a16="http://schemas.microsoft.com/office/drawing/2014/main" id="{2657DCB3-F608-49FE-42E4-8888793B32EF}"/>
+              </a:ext>
+            </a:extLst>
+          </p:cNvPr>
+          <p:cNvPicPr>
+            <a:picLocks noChangeAspect="1"/>
+          </p:cNvPicPr>
+          <p:nvPr/>
+        </p:nvPicPr>
+        <p:blipFill>
+          <a:blip r:embed="rId4"/>
+          <a:srcRect t="8776"/>
+          <a:stretch/>
+        </p:blipFill>
+        <p:spPr>
+          <a:xfrm>
+            <a:off x="6029718" y="3429000"/>
+            <a:ext cx="5274688" cy="2975241"/>
+          </a:xfrm>
+          <a:prstGeom prst="rect">
+            <a:avLst/>
+          </a:prstGeom>
+        </p:spPr>
+      </p:pic>
+      <p:pic>
+        <p:nvPicPr>
+          <p:cNvPr id="10" name="Picture 9" descr="A green and purple circles with numbers&#10;&#10;Description automatically generated">
+            <a:extLst>
+              <a:ext uri="{FF2B5EF4-FFF2-40B4-BE49-F238E27FC236}">
+                <a16:creationId xmlns:a16="http://schemas.microsoft.com/office/drawing/2014/main" id="{1E1B771A-E1F7-9015-1402-A2B1E9CDA2CA}"/>
+              </a:ext>
+            </a:extLst>
+          </p:cNvPr>
+          <p:cNvPicPr>
+            <a:picLocks noChangeAspect="1"/>
+          </p:cNvPicPr>
+          <p:nvPr/>
+        </p:nvPicPr>
+        <p:blipFill>
+          <a:blip r:embed="rId5"/>
+          <a:srcRect t="7628"/>
+          <a:stretch/>
+        </p:blipFill>
+        <p:spPr>
+          <a:xfrm>
+            <a:off x="1033117" y="3399867"/>
+            <a:ext cx="5260213" cy="3004374"/>
+          </a:xfrm>
+          <a:prstGeom prst="rect">
+            <a:avLst/>
+          </a:prstGeom>
+        </p:spPr>
+      </p:pic>
     </p:spTree>
     <p:extLst>
       <p:ext uri="{BB962C8B-B14F-4D97-AF65-F5344CB8AC3E}">
